--- a/Lancaster/Reporte_02_Q-Preliminar/Info_per_Item.pptx
+++ b/Lancaster/Reporte_02_Q-Preliminar/Info_per_Item.pptx
@@ -331,7 +331,7 @@
           <a:p>
             <a:fld id="{BE906125-1B3A-4A5D-BE95-8FB2C157D9C1}" type="datetimeFigureOut">
               <a:rPr lang="es-MX" smtClean="0"/>
-              <a:t>29/01/2019</a:t>
+              <a:t>30/01/2019</a:t>
             </a:fld>
             <a:endParaRPr lang="es-MX"/>
           </a:p>
@@ -501,7 +501,7 @@
           <a:p>
             <a:fld id="{BE906125-1B3A-4A5D-BE95-8FB2C157D9C1}" type="datetimeFigureOut">
               <a:rPr lang="es-MX" smtClean="0"/>
-              <a:t>29/01/2019</a:t>
+              <a:t>30/01/2019</a:t>
             </a:fld>
             <a:endParaRPr lang="es-MX"/>
           </a:p>
@@ -681,7 +681,7 @@
           <a:p>
             <a:fld id="{BE906125-1B3A-4A5D-BE95-8FB2C157D9C1}" type="datetimeFigureOut">
               <a:rPr lang="es-MX" smtClean="0"/>
-              <a:t>29/01/2019</a:t>
+              <a:t>30/01/2019</a:t>
             </a:fld>
             <a:endParaRPr lang="es-MX"/>
           </a:p>
@@ -851,7 +851,7 @@
           <a:p>
             <a:fld id="{BE906125-1B3A-4A5D-BE95-8FB2C157D9C1}" type="datetimeFigureOut">
               <a:rPr lang="es-MX" smtClean="0"/>
-              <a:t>29/01/2019</a:t>
+              <a:t>30/01/2019</a:t>
             </a:fld>
             <a:endParaRPr lang="es-MX"/>
           </a:p>
@@ -1095,7 +1095,7 @@
           <a:p>
             <a:fld id="{BE906125-1B3A-4A5D-BE95-8FB2C157D9C1}" type="datetimeFigureOut">
               <a:rPr lang="es-MX" smtClean="0"/>
-              <a:t>29/01/2019</a:t>
+              <a:t>30/01/2019</a:t>
             </a:fld>
             <a:endParaRPr lang="es-MX"/>
           </a:p>
@@ -1327,7 +1327,7 @@
           <a:p>
             <a:fld id="{BE906125-1B3A-4A5D-BE95-8FB2C157D9C1}" type="datetimeFigureOut">
               <a:rPr lang="es-MX" smtClean="0"/>
-              <a:t>29/01/2019</a:t>
+              <a:t>30/01/2019</a:t>
             </a:fld>
             <a:endParaRPr lang="es-MX"/>
           </a:p>
@@ -1694,7 +1694,7 @@
           <a:p>
             <a:fld id="{BE906125-1B3A-4A5D-BE95-8FB2C157D9C1}" type="datetimeFigureOut">
               <a:rPr lang="es-MX" smtClean="0"/>
-              <a:t>29/01/2019</a:t>
+              <a:t>30/01/2019</a:t>
             </a:fld>
             <a:endParaRPr lang="es-MX"/>
           </a:p>
@@ -1812,7 +1812,7 @@
           <a:p>
             <a:fld id="{BE906125-1B3A-4A5D-BE95-8FB2C157D9C1}" type="datetimeFigureOut">
               <a:rPr lang="es-MX" smtClean="0"/>
-              <a:t>29/01/2019</a:t>
+              <a:t>30/01/2019</a:t>
             </a:fld>
             <a:endParaRPr lang="es-MX"/>
           </a:p>
@@ -1907,7 +1907,7 @@
           <a:p>
             <a:fld id="{BE906125-1B3A-4A5D-BE95-8FB2C157D9C1}" type="datetimeFigureOut">
               <a:rPr lang="es-MX" smtClean="0"/>
-              <a:t>29/01/2019</a:t>
+              <a:t>30/01/2019</a:t>
             </a:fld>
             <a:endParaRPr lang="es-MX"/>
           </a:p>
@@ -2184,7 +2184,7 @@
           <a:p>
             <a:fld id="{BE906125-1B3A-4A5D-BE95-8FB2C157D9C1}" type="datetimeFigureOut">
               <a:rPr lang="es-MX" smtClean="0"/>
-              <a:t>29/01/2019</a:t>
+              <a:t>30/01/2019</a:t>
             </a:fld>
             <a:endParaRPr lang="es-MX"/>
           </a:p>
@@ -2441,7 +2441,7 @@
           <a:p>
             <a:fld id="{BE906125-1B3A-4A5D-BE95-8FB2C157D9C1}" type="datetimeFigureOut">
               <a:rPr lang="es-MX" smtClean="0"/>
-              <a:t>29/01/2019</a:t>
+              <a:t>30/01/2019</a:t>
             </a:fld>
             <a:endParaRPr lang="es-MX"/>
           </a:p>
@@ -2654,7 +2654,7 @@
           <a:p>
             <a:fld id="{BE906125-1B3A-4A5D-BE95-8FB2C157D9C1}" type="datetimeFigureOut">
               <a:rPr lang="es-MX" smtClean="0"/>
-              <a:t>29/01/2019</a:t>
+              <a:t>30/01/2019</a:t>
             </a:fld>
             <a:endParaRPr lang="es-MX"/>
           </a:p>
@@ -3443,14 +3443,14 @@
           <p:nvPr>
             <p:extLst>
               <p:ext uri="{D42A27DB-BD31-4B8C-83A1-F6EECF244321}">
-                <p14:modId xmlns:p14="http://schemas.microsoft.com/office/powerpoint/2010/main" val="1262589688"/>
+                <p14:modId xmlns:p14="http://schemas.microsoft.com/office/powerpoint/2010/main" val="2578250475"/>
               </p:ext>
             </p:extLst>
           </p:nvPr>
         </p:nvGraphicFramePr>
         <p:xfrm>
           <a:off x="91077" y="5885591"/>
-          <a:ext cx="6657042" cy="1399587"/>
+          <a:ext cx="6657042" cy="1714500"/>
         </p:xfrm>
         <a:graphic>
           <a:graphicData uri="http://schemas.openxmlformats.org/drawingml/2006/table">
@@ -3640,6 +3640,10 @@
                     <a:bodyPr/>
                     <a:lstStyle/>
                     <a:p>
+                      <a:r>
+                        <a:rPr lang="es-MX" dirty="0" smtClean="0"/>
+                        <a:t>PMA14</a:t>
+                      </a:r>
                       <a:endParaRPr lang="es-MX" dirty="0"/>
                     </a:p>
                   </a:txBody>
@@ -3650,6 +3654,16 @@
                     <a:bodyPr/>
                     <a:lstStyle/>
                     <a:p>
+                      <a:r>
+                        <a:rPr lang="es-MX" dirty="0" smtClean="0"/>
+                        <a:t>2: </a:t>
+                      </a:r>
+                    </a:p>
+                    <a:p>
+                      <a:r>
+                        <a:rPr lang="es-MX" dirty="0" smtClean="0"/>
+                        <a:t>Manejo de la Información</a:t>
+                      </a:r>
                       <a:endParaRPr lang="es-MX" dirty="0"/>
                     </a:p>
                   </a:txBody>
@@ -3659,6 +3673,24 @@
                   <a:txBody>
                     <a:bodyPr/>
                     <a:lstStyle/>
+                    <a:p>
+                      <a:r>
+                        <a:rPr lang="es-MX" baseline="0" dirty="0" smtClean="0"/>
+                        <a:t>201 – </a:t>
+                      </a:r>
+                    </a:p>
+                    <a:p>
+                      <a:r>
+                        <a:rPr lang="es-MX" baseline="0" dirty="0" smtClean="0"/>
+                        <a:t>205 – </a:t>
+                      </a:r>
+                    </a:p>
+                    <a:p>
+                      <a:r>
+                        <a:rPr lang="es-MX" baseline="0" smtClean="0"/>
+                        <a:t>206 – </a:t>
+                      </a:r>
+                    </a:p>
                     <a:p>
                       <a:endParaRPr lang="es-MX" baseline="0" dirty="0" smtClean="0"/>
                     </a:p>
@@ -6807,7 +6839,7 @@
           <p:nvPr>
             <p:extLst>
               <p:ext uri="{D42A27DB-BD31-4B8C-83A1-F6EECF244321}">
-                <p14:modId xmlns:p14="http://schemas.microsoft.com/office/powerpoint/2010/main" val="4282169002"/>
+                <p14:modId xmlns:p14="http://schemas.microsoft.com/office/powerpoint/2010/main" val="4039691778"/>
               </p:ext>
             </p:extLst>
           </p:nvPr>
@@ -6873,10 +6905,10 @@
                         <a:defRPr/>
                       </a:pPr>
                       <a:r>
-                        <a:rPr lang="es-MX" dirty="0" smtClean="0"/>
+                        <a:rPr lang="es-MX" b="1" dirty="0" smtClean="0"/>
                         <a:t>12 habilidades</a:t>
                       </a:r>
-                      <a:endParaRPr lang="es-MX" dirty="0"/>
+                      <a:endParaRPr lang="es-MX" b="1" dirty="0"/>
                     </a:p>
                   </a:txBody>
                   <a:tcPr/>
@@ -6963,16 +6995,16 @@
                         <a:t>112 – Deducción de fórmulas para </a:t>
                       </a:r>
                       <a:r>
-                        <a:rPr lang="es-MX" baseline="0" dirty="0" err="1" smtClean="0"/>
-                        <a:t>caluclar</a:t>
-                      </a:r>
-                      <a:r>
                         <a:rPr lang="es-MX" baseline="0" dirty="0" smtClean="0"/>
-                        <a:t> el área mediante descomposición de figuras </a:t>
-                      </a:r>
-                      <a:r>
-                        <a:rPr lang="es-MX" baseline="0" dirty="0" err="1" smtClean="0"/>
-                        <a:t>geompetricas</a:t>
+                        <a:t>calcular </a:t>
+                      </a:r>
+                      <a:r>
+                        <a:rPr lang="es-MX" baseline="0" dirty="0" smtClean="0"/>
+                        <a:t>el área mediante descomposición de figuras </a:t>
+                      </a:r>
+                      <a:r>
+                        <a:rPr lang="es-MX" baseline="0" dirty="0" smtClean="0"/>
+                        <a:t>geométricas</a:t>
                       </a:r>
                       <a:endParaRPr lang="es-MX" dirty="0" smtClean="0"/>
                     </a:p>
@@ -6993,7 +7025,7 @@
           <p:nvPr>
             <p:extLst>
               <p:ext uri="{D42A27DB-BD31-4B8C-83A1-F6EECF244321}">
-                <p14:modId xmlns:p14="http://schemas.microsoft.com/office/powerpoint/2010/main" val="1156094791"/>
+                <p14:modId xmlns:p14="http://schemas.microsoft.com/office/powerpoint/2010/main" val="4024183162"/>
               </p:ext>
             </p:extLst>
           </p:nvPr>
@@ -7044,10 +7076,10 @@
                     <a:lstStyle/>
                     <a:p>
                       <a:r>
-                        <a:rPr lang="es-MX" dirty="0" smtClean="0"/>
+                        <a:rPr lang="es-MX" b="1" dirty="0" smtClean="0"/>
                         <a:t>10 habilidades</a:t>
                       </a:r>
-                      <a:endParaRPr lang="es-MX" dirty="0"/>
+                      <a:endParaRPr lang="es-MX" b="1" dirty="0"/>
                     </a:p>
                   </a:txBody>
                   <a:tcPr/>
@@ -10819,7 +10851,7 @@
           <p:nvPr>
             <p:extLst>
               <p:ext uri="{D42A27DB-BD31-4B8C-83A1-F6EECF244321}">
-                <p14:modId xmlns:p14="http://schemas.microsoft.com/office/powerpoint/2010/main" val="3977671656"/>
+                <p14:modId xmlns:p14="http://schemas.microsoft.com/office/powerpoint/2010/main" val="1823604710"/>
               </p:ext>
             </p:extLst>
           </p:nvPr>
@@ -10832,7 +10864,7 @@
           <a:graphicData uri="http://schemas.openxmlformats.org/drawingml/2006/table">
             <a:tbl>
               <a:tblPr firstRow="1" bandRow="1">
-                <a:tableStyleId>{21E4AEA4-8DFA-4A89-87EB-49C32662AFE0}</a:tableStyleId>
+                <a:tableStyleId>{93296810-A885-4BE3-A3E7-6D5BEEA58F35}</a:tableStyleId>
               </a:tblPr>
               <a:tblGrid>
                 <a:gridCol w="6399212"/>
@@ -10844,22 +10876,22 @@
                     <a:lstStyle/>
                     <a:p>
                       <a:r>
-                        <a:rPr lang="es-MX" b="1" dirty="0" smtClean="0"/>
+                        <a:rPr lang="es-MX" dirty="0" smtClean="0"/>
                         <a:t>Eje</a:t>
                       </a:r>
                       <a:r>
-                        <a:rPr lang="es-MX" b="1" baseline="0" dirty="0" smtClean="0"/>
+                        <a:rPr lang="es-MX" baseline="0" dirty="0" smtClean="0"/>
                         <a:t> 3</a:t>
                       </a:r>
                     </a:p>
                     <a:p>
                       <a:r>
-                        <a:rPr lang="es-MX" b="1" baseline="0" dirty="0" smtClean="0"/>
+                        <a:rPr lang="es-MX" baseline="0" dirty="0" smtClean="0"/>
                         <a:t>Sentido numérico y pensamiento </a:t>
                       </a:r>
                       <a:r>
-                        <a:rPr lang="es-MX" b="1" baseline="0" dirty="0" err="1" smtClean="0"/>
-                        <a:t>algebráico</a:t>
+                        <a:rPr lang="es-MX" baseline="0" dirty="0" smtClean="0"/>
+                        <a:t>algebraico</a:t>
                       </a:r>
                       <a:endParaRPr lang="es-MX" b="1" dirty="0"/>
                     </a:p>
@@ -10874,10 +10906,10 @@
                     <a:lstStyle/>
                     <a:p>
                       <a:r>
-                        <a:rPr lang="es-MX" dirty="0" smtClean="0"/>
+                        <a:rPr lang="es-MX" b="1" dirty="0" smtClean="0"/>
                         <a:t>13 habilidades</a:t>
                       </a:r>
-                      <a:endParaRPr lang="es-MX" dirty="0"/>
+                      <a:endParaRPr lang="es-MX" b="1" dirty="0"/>
                     </a:p>
                   </a:txBody>
                   <a:tcPr/>
@@ -12836,126 +12868,126 @@
                 <a:gridCol w="374770">
                   <a:extLst>
                     <a:ext uri="{9D8B030D-6E8A-4147-A177-3AD203B41FA5}">
-                      <a16:colId xmlns:a16="http://schemas.microsoft.com/office/drawing/2014/main" xmlns="" val="3756974256"/>
+                      <a16:colId xmlns="" xmlns:a16="http://schemas.microsoft.com/office/drawing/2014/main" val="3756974256"/>
                     </a:ext>
                   </a:extLst>
                 </a:gridCol>
                 <a:gridCol w="374770">
                   <a:extLst>
                     <a:ext uri="{9D8B030D-6E8A-4147-A177-3AD203B41FA5}">
-                      <a16:colId xmlns:a16="http://schemas.microsoft.com/office/drawing/2014/main" xmlns="" val="234651911"/>
+                      <a16:colId xmlns="" xmlns:a16="http://schemas.microsoft.com/office/drawing/2014/main" val="234651911"/>
                     </a:ext>
                   </a:extLst>
                 </a:gridCol>
                 <a:gridCol w="178016">
                   <a:extLst>
                     <a:ext uri="{9D8B030D-6E8A-4147-A177-3AD203B41FA5}">
-                      <a16:colId xmlns:a16="http://schemas.microsoft.com/office/drawing/2014/main" xmlns="" val="3161070266"/>
+                      <a16:colId xmlns="" xmlns:a16="http://schemas.microsoft.com/office/drawing/2014/main" val="3161070266"/>
                     </a:ext>
                   </a:extLst>
                 </a:gridCol>
                 <a:gridCol w="374770">
                   <a:extLst>
                     <a:ext uri="{9D8B030D-6E8A-4147-A177-3AD203B41FA5}">
-                      <a16:colId xmlns:a16="http://schemas.microsoft.com/office/drawing/2014/main" xmlns="" val="3696759440"/>
+                      <a16:colId xmlns="" xmlns:a16="http://schemas.microsoft.com/office/drawing/2014/main" val="3696759440"/>
                     </a:ext>
                   </a:extLst>
                 </a:gridCol>
                 <a:gridCol w="178016">
                   <a:extLst>
                     <a:ext uri="{9D8B030D-6E8A-4147-A177-3AD203B41FA5}">
-                      <a16:colId xmlns:a16="http://schemas.microsoft.com/office/drawing/2014/main" xmlns="" val="2415823242"/>
+                      <a16:colId xmlns="" xmlns:a16="http://schemas.microsoft.com/office/drawing/2014/main" val="2415823242"/>
                     </a:ext>
                   </a:extLst>
                 </a:gridCol>
                 <a:gridCol w="374770">
                   <a:extLst>
                     <a:ext uri="{9D8B030D-6E8A-4147-A177-3AD203B41FA5}">
-                      <a16:colId xmlns:a16="http://schemas.microsoft.com/office/drawing/2014/main" xmlns="" val="305798887"/>
+                      <a16:colId xmlns="" xmlns:a16="http://schemas.microsoft.com/office/drawing/2014/main" val="305798887"/>
                     </a:ext>
                   </a:extLst>
                 </a:gridCol>
                 <a:gridCol w="178016">
                   <a:extLst>
                     <a:ext uri="{9D8B030D-6E8A-4147-A177-3AD203B41FA5}">
-                      <a16:colId xmlns:a16="http://schemas.microsoft.com/office/drawing/2014/main" xmlns="" val="3124943877"/>
+                      <a16:colId xmlns="" xmlns:a16="http://schemas.microsoft.com/office/drawing/2014/main" val="3124943877"/>
                     </a:ext>
                   </a:extLst>
                 </a:gridCol>
                 <a:gridCol w="374770">
                   <a:extLst>
                     <a:ext uri="{9D8B030D-6E8A-4147-A177-3AD203B41FA5}">
-                      <a16:colId xmlns:a16="http://schemas.microsoft.com/office/drawing/2014/main" xmlns="" val="1751045746"/>
+                      <a16:colId xmlns="" xmlns:a16="http://schemas.microsoft.com/office/drawing/2014/main" val="1751045746"/>
                     </a:ext>
                   </a:extLst>
                 </a:gridCol>
                 <a:gridCol w="299816">
                   <a:extLst>
                     <a:ext uri="{9D8B030D-6E8A-4147-A177-3AD203B41FA5}">
-                      <a16:colId xmlns:a16="http://schemas.microsoft.com/office/drawing/2014/main" xmlns="" val="3179340781"/>
+                      <a16:colId xmlns="" xmlns:a16="http://schemas.microsoft.com/office/drawing/2014/main" val="3179340781"/>
                     </a:ext>
                   </a:extLst>
                 </a:gridCol>
                 <a:gridCol w="562153">
                   <a:extLst>
                     <a:ext uri="{9D8B030D-6E8A-4147-A177-3AD203B41FA5}">
-                      <a16:colId xmlns:a16="http://schemas.microsoft.com/office/drawing/2014/main" xmlns="" val="2988951680"/>
+                      <a16:colId xmlns="" xmlns:a16="http://schemas.microsoft.com/office/drawing/2014/main" val="2988951680"/>
                     </a:ext>
                   </a:extLst>
                 </a:gridCol>
                 <a:gridCol w="374770">
                   <a:extLst>
                     <a:ext uri="{9D8B030D-6E8A-4147-A177-3AD203B41FA5}">
-                      <a16:colId xmlns:a16="http://schemas.microsoft.com/office/drawing/2014/main" xmlns="" val="3185397880"/>
+                      <a16:colId xmlns="" xmlns:a16="http://schemas.microsoft.com/office/drawing/2014/main" val="3185397880"/>
                     </a:ext>
                   </a:extLst>
                 </a:gridCol>
                 <a:gridCol w="178016">
                   <a:extLst>
                     <a:ext uri="{9D8B030D-6E8A-4147-A177-3AD203B41FA5}">
-                      <a16:colId xmlns:a16="http://schemas.microsoft.com/office/drawing/2014/main" xmlns="" val="774832692"/>
+                      <a16:colId xmlns="" xmlns:a16="http://schemas.microsoft.com/office/drawing/2014/main" val="774832692"/>
                     </a:ext>
                   </a:extLst>
                 </a:gridCol>
                 <a:gridCol w="374770">
                   <a:extLst>
                     <a:ext uri="{9D8B030D-6E8A-4147-A177-3AD203B41FA5}">
-                      <a16:colId xmlns:a16="http://schemas.microsoft.com/office/drawing/2014/main" xmlns="" val="1302017070"/>
+                      <a16:colId xmlns="" xmlns:a16="http://schemas.microsoft.com/office/drawing/2014/main" val="1302017070"/>
                     </a:ext>
                   </a:extLst>
                 </a:gridCol>
                 <a:gridCol w="178016">
                   <a:extLst>
                     <a:ext uri="{9D8B030D-6E8A-4147-A177-3AD203B41FA5}">
-                      <a16:colId xmlns:a16="http://schemas.microsoft.com/office/drawing/2014/main" xmlns="" val="3995965587"/>
+                      <a16:colId xmlns="" xmlns:a16="http://schemas.microsoft.com/office/drawing/2014/main" val="3995965587"/>
                     </a:ext>
                   </a:extLst>
                 </a:gridCol>
                 <a:gridCol w="374770">
                   <a:extLst>
                     <a:ext uri="{9D8B030D-6E8A-4147-A177-3AD203B41FA5}">
-                      <a16:colId xmlns:a16="http://schemas.microsoft.com/office/drawing/2014/main" xmlns="" val="2328702860"/>
+                      <a16:colId xmlns="" xmlns:a16="http://schemas.microsoft.com/office/drawing/2014/main" val="2328702860"/>
                     </a:ext>
                   </a:extLst>
                 </a:gridCol>
                 <a:gridCol w="178016">
                   <a:extLst>
                     <a:ext uri="{9D8B030D-6E8A-4147-A177-3AD203B41FA5}">
-                      <a16:colId xmlns:a16="http://schemas.microsoft.com/office/drawing/2014/main" xmlns="" val="1734623480"/>
+                      <a16:colId xmlns="" xmlns:a16="http://schemas.microsoft.com/office/drawing/2014/main" val="1734623480"/>
                     </a:ext>
                   </a:extLst>
                 </a:gridCol>
                 <a:gridCol w="374770">
                   <a:extLst>
                     <a:ext uri="{9D8B030D-6E8A-4147-A177-3AD203B41FA5}">
-                      <a16:colId xmlns:a16="http://schemas.microsoft.com/office/drawing/2014/main" xmlns="" val="2104957204"/>
+                      <a16:colId xmlns="" xmlns:a16="http://schemas.microsoft.com/office/drawing/2014/main" val="2104957204"/>
                     </a:ext>
                   </a:extLst>
                 </a:gridCol>
                 <a:gridCol w="312307">
                   <a:extLst>
                     <a:ext uri="{9D8B030D-6E8A-4147-A177-3AD203B41FA5}">
-                      <a16:colId xmlns:a16="http://schemas.microsoft.com/office/drawing/2014/main" xmlns="" val="3781667298"/>
+                      <a16:colId xmlns="" xmlns:a16="http://schemas.microsoft.com/office/drawing/2014/main" val="3781667298"/>
                     </a:ext>
                   </a:extLst>
                 </a:gridCol>
@@ -13725,7 +13757,7 @@
                 </a:tc>
                 <a:extLst>
                   <a:ext uri="{0D108BD9-81ED-4DB2-BD59-A6C34878D82A}">
-                    <a16:rowId xmlns:a16="http://schemas.microsoft.com/office/drawing/2014/main" xmlns="" val="3865243345"/>
+                    <a16:rowId xmlns="" xmlns:a16="http://schemas.microsoft.com/office/drawing/2014/main" val="3865243345"/>
                   </a:ext>
                 </a:extLst>
               </a:tr>
@@ -14605,7 +14637,7 @@
                 </a:tc>
                 <a:extLst>
                   <a:ext uri="{0D108BD9-81ED-4DB2-BD59-A6C34878D82A}">
-                    <a16:rowId xmlns:a16="http://schemas.microsoft.com/office/drawing/2014/main" xmlns="" val="1753714927"/>
+                    <a16:rowId xmlns="" xmlns:a16="http://schemas.microsoft.com/office/drawing/2014/main" val="1753714927"/>
                   </a:ext>
                 </a:extLst>
               </a:tr>
@@ -15485,7 +15517,7 @@
                 </a:tc>
                 <a:extLst>
                   <a:ext uri="{0D108BD9-81ED-4DB2-BD59-A6C34878D82A}">
-                    <a16:rowId xmlns:a16="http://schemas.microsoft.com/office/drawing/2014/main" xmlns="" val="1972887798"/>
+                    <a16:rowId xmlns="" xmlns:a16="http://schemas.microsoft.com/office/drawing/2014/main" val="1972887798"/>
                   </a:ext>
                 </a:extLst>
               </a:tr>
@@ -16365,7 +16397,7 @@
                 </a:tc>
                 <a:extLst>
                   <a:ext uri="{0D108BD9-81ED-4DB2-BD59-A6C34878D82A}">
-                    <a16:rowId xmlns:a16="http://schemas.microsoft.com/office/drawing/2014/main" xmlns="" val="3417758168"/>
+                    <a16:rowId xmlns="" xmlns:a16="http://schemas.microsoft.com/office/drawing/2014/main" val="3417758168"/>
                   </a:ext>
                 </a:extLst>
               </a:tr>
@@ -17245,7 +17277,7 @@
                 </a:tc>
                 <a:extLst>
                   <a:ext uri="{0D108BD9-81ED-4DB2-BD59-A6C34878D82A}">
-                    <a16:rowId xmlns:a16="http://schemas.microsoft.com/office/drawing/2014/main" xmlns="" val="866385615"/>
+                    <a16:rowId xmlns="" xmlns:a16="http://schemas.microsoft.com/office/drawing/2014/main" val="866385615"/>
                   </a:ext>
                 </a:extLst>
               </a:tr>
@@ -18125,7 +18157,7 @@
                 </a:tc>
                 <a:extLst>
                   <a:ext uri="{0D108BD9-81ED-4DB2-BD59-A6C34878D82A}">
-                    <a16:rowId xmlns:a16="http://schemas.microsoft.com/office/drawing/2014/main" xmlns="" val="2049192976"/>
+                    <a16:rowId xmlns="" xmlns:a16="http://schemas.microsoft.com/office/drawing/2014/main" val="2049192976"/>
                   </a:ext>
                 </a:extLst>
               </a:tr>
@@ -19005,7 +19037,7 @@
                 </a:tc>
                 <a:extLst>
                   <a:ext uri="{0D108BD9-81ED-4DB2-BD59-A6C34878D82A}">
-                    <a16:rowId xmlns:a16="http://schemas.microsoft.com/office/drawing/2014/main" xmlns="" val="448062279"/>
+                    <a16:rowId xmlns="" xmlns:a16="http://schemas.microsoft.com/office/drawing/2014/main" val="448062279"/>
                   </a:ext>
                 </a:extLst>
               </a:tr>
@@ -19885,7 +19917,7 @@
                 </a:tc>
                 <a:extLst>
                   <a:ext uri="{0D108BD9-81ED-4DB2-BD59-A6C34878D82A}">
-                    <a16:rowId xmlns:a16="http://schemas.microsoft.com/office/drawing/2014/main" xmlns="" val="1630007806"/>
+                    <a16:rowId xmlns="" xmlns:a16="http://schemas.microsoft.com/office/drawing/2014/main" val="1630007806"/>
                   </a:ext>
                 </a:extLst>
               </a:tr>
@@ -20765,7 +20797,7 @@
                 </a:tc>
                 <a:extLst>
                   <a:ext uri="{0D108BD9-81ED-4DB2-BD59-A6C34878D82A}">
-                    <a16:rowId xmlns:a16="http://schemas.microsoft.com/office/drawing/2014/main" xmlns="" val="4123900706"/>
+                    <a16:rowId xmlns="" xmlns:a16="http://schemas.microsoft.com/office/drawing/2014/main" val="4123900706"/>
                   </a:ext>
                 </a:extLst>
               </a:tr>
@@ -21645,7 +21677,7 @@
                 </a:tc>
                 <a:extLst>
                   <a:ext uri="{0D108BD9-81ED-4DB2-BD59-A6C34878D82A}">
-                    <a16:rowId xmlns:a16="http://schemas.microsoft.com/office/drawing/2014/main" xmlns="" val="3049710863"/>
+                    <a16:rowId xmlns="" xmlns:a16="http://schemas.microsoft.com/office/drawing/2014/main" val="3049710863"/>
                   </a:ext>
                 </a:extLst>
               </a:tr>
@@ -22525,7 +22557,7 @@
                 </a:tc>
                 <a:extLst>
                   <a:ext uri="{0D108BD9-81ED-4DB2-BD59-A6C34878D82A}">
-                    <a16:rowId xmlns:a16="http://schemas.microsoft.com/office/drawing/2014/main" xmlns="" val="478382139"/>
+                    <a16:rowId xmlns="" xmlns:a16="http://schemas.microsoft.com/office/drawing/2014/main" val="478382139"/>
                   </a:ext>
                 </a:extLst>
               </a:tr>
@@ -23405,7 +23437,7 @@
                 </a:tc>
                 <a:extLst>
                   <a:ext uri="{0D108BD9-81ED-4DB2-BD59-A6C34878D82A}">
-                    <a16:rowId xmlns:a16="http://schemas.microsoft.com/office/drawing/2014/main" xmlns="" val="486267765"/>
+                    <a16:rowId xmlns="" xmlns:a16="http://schemas.microsoft.com/office/drawing/2014/main" val="486267765"/>
                   </a:ext>
                 </a:extLst>
               </a:tr>
@@ -24285,7 +24317,7 @@
                 </a:tc>
                 <a:extLst>
                   <a:ext uri="{0D108BD9-81ED-4DB2-BD59-A6C34878D82A}">
-                    <a16:rowId xmlns:a16="http://schemas.microsoft.com/office/drawing/2014/main" xmlns="" val="3938472884"/>
+                    <a16:rowId xmlns="" xmlns:a16="http://schemas.microsoft.com/office/drawing/2014/main" val="3938472884"/>
                   </a:ext>
                 </a:extLst>
               </a:tr>
@@ -25165,7 +25197,7 @@
                 </a:tc>
                 <a:extLst>
                   <a:ext uri="{0D108BD9-81ED-4DB2-BD59-A6C34878D82A}">
-                    <a16:rowId xmlns:a16="http://schemas.microsoft.com/office/drawing/2014/main" xmlns="" val="4233728475"/>
+                    <a16:rowId xmlns="" xmlns:a16="http://schemas.microsoft.com/office/drawing/2014/main" val="4233728475"/>
                   </a:ext>
                 </a:extLst>
               </a:tr>
@@ -26045,7 +26077,7 @@
                 </a:tc>
                 <a:extLst>
                   <a:ext uri="{0D108BD9-81ED-4DB2-BD59-A6C34878D82A}">
-                    <a16:rowId xmlns:a16="http://schemas.microsoft.com/office/drawing/2014/main" xmlns="" val="1599226063"/>
+                    <a16:rowId xmlns="" xmlns:a16="http://schemas.microsoft.com/office/drawing/2014/main" val="1599226063"/>
                   </a:ext>
                 </a:extLst>
               </a:tr>
@@ -26925,7 +26957,7 @@
                 </a:tc>
                 <a:extLst>
                   <a:ext uri="{0D108BD9-81ED-4DB2-BD59-A6C34878D82A}">
-                    <a16:rowId xmlns:a16="http://schemas.microsoft.com/office/drawing/2014/main" xmlns="" val="941910872"/>
+                    <a16:rowId xmlns="" xmlns:a16="http://schemas.microsoft.com/office/drawing/2014/main" val="941910872"/>
                   </a:ext>
                 </a:extLst>
               </a:tr>
@@ -27805,7 +27837,7 @@
                 </a:tc>
                 <a:extLst>
                   <a:ext uri="{0D108BD9-81ED-4DB2-BD59-A6C34878D82A}">
-                    <a16:rowId xmlns:a16="http://schemas.microsoft.com/office/drawing/2014/main" xmlns="" val="127829569"/>
+                    <a16:rowId xmlns="" xmlns:a16="http://schemas.microsoft.com/office/drawing/2014/main" val="127829569"/>
                   </a:ext>
                 </a:extLst>
               </a:tr>
@@ -28685,7 +28717,7 @@
                 </a:tc>
                 <a:extLst>
                   <a:ext uri="{0D108BD9-81ED-4DB2-BD59-A6C34878D82A}">
-                    <a16:rowId xmlns:a16="http://schemas.microsoft.com/office/drawing/2014/main" xmlns="" val="1553548817"/>
+                    <a16:rowId xmlns="" xmlns:a16="http://schemas.microsoft.com/office/drawing/2014/main" val="1553548817"/>
                   </a:ext>
                 </a:extLst>
               </a:tr>
@@ -29565,7 +29597,7 @@
                 </a:tc>
                 <a:extLst>
                   <a:ext uri="{0D108BD9-81ED-4DB2-BD59-A6C34878D82A}">
-                    <a16:rowId xmlns:a16="http://schemas.microsoft.com/office/drawing/2014/main" xmlns="" val="4138094180"/>
+                    <a16:rowId xmlns="" xmlns:a16="http://schemas.microsoft.com/office/drawing/2014/main" val="4138094180"/>
                   </a:ext>
                 </a:extLst>
               </a:tr>
@@ -30445,7 +30477,7 @@
                 </a:tc>
                 <a:extLst>
                   <a:ext uri="{0D108BD9-81ED-4DB2-BD59-A6C34878D82A}">
-                    <a16:rowId xmlns:a16="http://schemas.microsoft.com/office/drawing/2014/main" xmlns="" val="931363302"/>
+                    <a16:rowId xmlns="" xmlns:a16="http://schemas.microsoft.com/office/drawing/2014/main" val="931363302"/>
                   </a:ext>
                 </a:extLst>
               </a:tr>
@@ -31325,7 +31357,7 @@
                 </a:tc>
                 <a:extLst>
                   <a:ext uri="{0D108BD9-81ED-4DB2-BD59-A6C34878D82A}">
-                    <a16:rowId xmlns:a16="http://schemas.microsoft.com/office/drawing/2014/main" xmlns="" val="1088044999"/>
+                    <a16:rowId xmlns="" xmlns:a16="http://schemas.microsoft.com/office/drawing/2014/main" val="1088044999"/>
                   </a:ext>
                 </a:extLst>
               </a:tr>
@@ -32205,7 +32237,7 @@
                 </a:tc>
                 <a:extLst>
                   <a:ext uri="{0D108BD9-81ED-4DB2-BD59-A6C34878D82A}">
-                    <a16:rowId xmlns:a16="http://schemas.microsoft.com/office/drawing/2014/main" xmlns="" val="4284771694"/>
+                    <a16:rowId xmlns="" xmlns:a16="http://schemas.microsoft.com/office/drawing/2014/main" val="4284771694"/>
                   </a:ext>
                 </a:extLst>
               </a:tr>
@@ -33085,7 +33117,7 @@
                 </a:tc>
                 <a:extLst>
                   <a:ext uri="{0D108BD9-81ED-4DB2-BD59-A6C34878D82A}">
-                    <a16:rowId xmlns:a16="http://schemas.microsoft.com/office/drawing/2014/main" xmlns="" val="129405688"/>
+                    <a16:rowId xmlns="" xmlns:a16="http://schemas.microsoft.com/office/drawing/2014/main" val="129405688"/>
                   </a:ext>
                 </a:extLst>
               </a:tr>
@@ -33965,7 +33997,7 @@
                 </a:tc>
                 <a:extLst>
                   <a:ext uri="{0D108BD9-81ED-4DB2-BD59-A6C34878D82A}">
-                    <a16:rowId xmlns:a16="http://schemas.microsoft.com/office/drawing/2014/main" xmlns="" val="4155985290"/>
+                    <a16:rowId xmlns="" xmlns:a16="http://schemas.microsoft.com/office/drawing/2014/main" val="4155985290"/>
                   </a:ext>
                 </a:extLst>
               </a:tr>
@@ -34845,7 +34877,7 @@
                 </a:tc>
                 <a:extLst>
                   <a:ext uri="{0D108BD9-81ED-4DB2-BD59-A6C34878D82A}">
-                    <a16:rowId xmlns:a16="http://schemas.microsoft.com/office/drawing/2014/main" xmlns="" val="754464813"/>
+                    <a16:rowId xmlns="" xmlns:a16="http://schemas.microsoft.com/office/drawing/2014/main" val="754464813"/>
                   </a:ext>
                 </a:extLst>
               </a:tr>
@@ -35725,7 +35757,7 @@
                 </a:tc>
                 <a:extLst>
                   <a:ext uri="{0D108BD9-81ED-4DB2-BD59-A6C34878D82A}">
-                    <a16:rowId xmlns:a16="http://schemas.microsoft.com/office/drawing/2014/main" xmlns="" val="1076519497"/>
+                    <a16:rowId xmlns="" xmlns:a16="http://schemas.microsoft.com/office/drawing/2014/main" val="1076519497"/>
                   </a:ext>
                 </a:extLst>
               </a:tr>
@@ -36494,7 +36526,7 @@
                 </a:tc>
                 <a:extLst>
                   <a:ext uri="{0D108BD9-81ED-4DB2-BD59-A6C34878D82A}">
-                    <a16:rowId xmlns:a16="http://schemas.microsoft.com/office/drawing/2014/main" xmlns="" val="3469624903"/>
+                    <a16:rowId xmlns="" xmlns:a16="http://schemas.microsoft.com/office/drawing/2014/main" val="3469624903"/>
                   </a:ext>
                 </a:extLst>
               </a:tr>
@@ -36759,14 +36791,14 @@
           <p:nvPr>
             <p:extLst>
               <p:ext uri="{D42A27DB-BD31-4B8C-83A1-F6EECF244321}">
-                <p14:modId xmlns:p14="http://schemas.microsoft.com/office/powerpoint/2010/main" val="3050860550"/>
+                <p14:modId xmlns:p14="http://schemas.microsoft.com/office/powerpoint/2010/main" val="1968842949"/>
               </p:ext>
             </p:extLst>
           </p:nvPr>
         </p:nvGraphicFramePr>
         <p:xfrm>
           <a:off x="64119" y="3521532"/>
-          <a:ext cx="6657042" cy="2125980"/>
+          <a:ext cx="6657042" cy="2331720"/>
         </p:xfrm>
         <a:graphic>
           <a:graphicData uri="http://schemas.openxmlformats.org/drawingml/2006/table">
@@ -36956,6 +36988,7 @@
                     <a:bodyPr/>
                     <a:lstStyle/>
                     <a:p>
+                      <a:pPr algn="just"/>
                       <a:r>
                         <a:rPr lang="es-MX" dirty="0" smtClean="0"/>
                         <a:t>PMA25</a:t>
@@ -36970,12 +37003,14 @@
                     <a:bodyPr/>
                     <a:lstStyle/>
                     <a:p>
+                      <a:pPr algn="just"/>
                       <a:r>
                         <a:rPr lang="es-MX" dirty="0" smtClean="0"/>
                         <a:t>Eje 3:  </a:t>
                       </a:r>
                     </a:p>
                     <a:p>
+                      <a:pPr algn="r"/>
                       <a:r>
                         <a:rPr lang="es-MX" dirty="0" smtClean="0"/>
                         <a:t>Sentido Numérico y pensamiento </a:t>
@@ -36994,24 +37029,45 @@
                     <a:bodyPr/>
                     <a:lstStyle/>
                     <a:p>
+                      <a:pPr algn="just"/>
+                      <a:r>
+                        <a:rPr lang="es-MX" b="1" dirty="0" smtClean="0"/>
+                        <a:t>309 – </a:t>
+                      </a:r>
                       <a:r>
                         <a:rPr lang="es-MX" dirty="0" smtClean="0"/>
-                        <a:t>309 – Conversión</a:t>
+                        <a:t>Conversión</a:t>
                       </a:r>
                       <a:r>
                         <a:rPr lang="es-MX" baseline="0" dirty="0" smtClean="0"/>
-                        <a:t> de texto cardinal a números naturales y viceversa</a:t>
-                      </a:r>
+                        <a:t> de texto cardinal a números naturales y </a:t>
+                      </a:r>
+                      <a:r>
+                        <a:rPr lang="es-MX" baseline="0" dirty="0" smtClean="0"/>
+                        <a:t>viceversa.</a:t>
+                      </a:r>
+                    </a:p>
+                    <a:p>
+                      <a:pPr algn="just"/>
                       <a:endParaRPr lang="es-MX" dirty="0" smtClean="0"/>
                     </a:p>
                     <a:p>
-                      <a:r>
-                        <a:rPr lang="es-MX" dirty="0" smtClean="0"/>
+                      <a:pPr algn="just"/>
+                      <a:r>
+                        <a:rPr lang="es-MX" b="1" dirty="0" smtClean="0"/>
                         <a:t>310 –</a:t>
                       </a:r>
                       <a:r>
+                        <a:rPr lang="es-MX" b="1" baseline="0" dirty="0" smtClean="0"/>
+                        <a:t> </a:t>
+                      </a:r>
+                      <a:r>
                         <a:rPr lang="es-MX" baseline="0" dirty="0" smtClean="0"/>
-                        <a:t> Operación de valores posicionales con números naturales o decimales</a:t>
+                        <a:t>Operación de valores posicionales con números naturales o </a:t>
+                      </a:r>
+                      <a:r>
+                        <a:rPr lang="es-MX" baseline="0" dirty="0" smtClean="0"/>
+                        <a:t>decimales.</a:t>
                       </a:r>
                       <a:endParaRPr lang="es-MX" baseline="0" dirty="0" smtClean="0"/>
                     </a:p>
@@ -37023,6 +37079,7 @@
                     <a:bodyPr/>
                     <a:lstStyle/>
                     <a:p>
+                      <a:pPr algn="just"/>
                       <a:endParaRPr lang="es-MX" dirty="0"/>
                     </a:p>
                   </a:txBody>
@@ -37033,6 +37090,7 @@
                     <a:bodyPr/>
                     <a:lstStyle/>
                     <a:p>
+                      <a:pPr algn="just"/>
                       <a:endParaRPr lang="es-MX" dirty="0"/>
                     </a:p>
                   </a:txBody>
@@ -37043,6 +37101,7 @@
                     <a:bodyPr/>
                     <a:lstStyle/>
                     <a:p>
+                      <a:pPr algn="just"/>
                       <a:endParaRPr lang="es-MX" dirty="0"/>
                     </a:p>
                   </a:txBody>
@@ -37220,14 +37279,14 @@
           <p:nvPr>
             <p:extLst>
               <p:ext uri="{D42A27DB-BD31-4B8C-83A1-F6EECF244321}">
-                <p14:modId xmlns:p14="http://schemas.microsoft.com/office/powerpoint/2010/main" val="3252402726"/>
+                <p14:modId xmlns:p14="http://schemas.microsoft.com/office/powerpoint/2010/main" val="2060005691"/>
               </p:ext>
             </p:extLst>
           </p:nvPr>
         </p:nvGraphicFramePr>
         <p:xfrm>
           <a:off x="64119" y="3521532"/>
-          <a:ext cx="6657042" cy="1399587"/>
+          <a:ext cx="6657042" cy="1714500"/>
         </p:xfrm>
         <a:graphic>
           <a:graphicData uri="http://schemas.openxmlformats.org/drawingml/2006/table">
@@ -37417,6 +37476,10 @@
                     <a:bodyPr/>
                     <a:lstStyle/>
                     <a:p>
+                      <a:r>
+                        <a:rPr lang="es-MX" dirty="0" smtClean="0"/>
+                        <a:t>PMB25</a:t>
+                      </a:r>
                       <a:endParaRPr lang="es-MX" dirty="0"/>
                     </a:p>
                   </a:txBody>
@@ -37427,6 +37490,22 @@
                     <a:bodyPr/>
                     <a:lstStyle/>
                     <a:p>
+                      <a:r>
+                        <a:rPr lang="es-MX" dirty="0" smtClean="0"/>
+                        <a:t>3: Sentido </a:t>
+                      </a:r>
+                      <a:r>
+                        <a:rPr lang="es-MX" dirty="0" err="1" smtClean="0"/>
+                        <a:t>Númerico</a:t>
+                      </a:r>
+                      <a:r>
+                        <a:rPr lang="es-MX" baseline="0" dirty="0" smtClean="0"/>
+                        <a:t> y Pensamiento </a:t>
+                      </a:r>
+                      <a:r>
+                        <a:rPr lang="es-MX" baseline="0" dirty="0" err="1" smtClean="0"/>
+                        <a:t>Algebráico</a:t>
+                      </a:r>
                       <a:endParaRPr lang="es-MX" dirty="0"/>
                     </a:p>
                   </a:txBody>
@@ -37437,6 +37516,10 @@
                     <a:bodyPr/>
                     <a:lstStyle/>
                     <a:p>
+                      <a:r>
+                        <a:rPr lang="es-MX" baseline="0" dirty="0" smtClean="0"/>
+                        <a:t>310</a:t>
+                      </a:r>
                       <a:endParaRPr lang="es-MX" baseline="0" dirty="0" smtClean="0"/>
                     </a:p>
                   </a:txBody>
@@ -37665,14 +37748,14 @@
           <p:nvPr>
             <p:extLst>
               <p:ext uri="{D42A27DB-BD31-4B8C-83A1-F6EECF244321}">
-                <p14:modId xmlns:p14="http://schemas.microsoft.com/office/powerpoint/2010/main" val="3313301359"/>
+                <p14:modId xmlns:p14="http://schemas.microsoft.com/office/powerpoint/2010/main" val="1063541932"/>
               </p:ext>
             </p:extLst>
           </p:nvPr>
         </p:nvGraphicFramePr>
         <p:xfrm>
           <a:off x="100479" y="4971191"/>
-          <a:ext cx="6657042" cy="1399587"/>
+          <a:ext cx="6657042" cy="1714500"/>
         </p:xfrm>
         <a:graphic>
           <a:graphicData uri="http://schemas.openxmlformats.org/drawingml/2006/table">
@@ -37862,6 +37945,10 @@
                     <a:bodyPr/>
                     <a:lstStyle/>
                     <a:p>
+                      <a:r>
+                        <a:rPr lang="es-MX" dirty="0" smtClean="0"/>
+                        <a:t>PMA08</a:t>
+                      </a:r>
                       <a:endParaRPr lang="es-MX" dirty="0"/>
                     </a:p>
                   </a:txBody>
@@ -37872,6 +37959,20 @@
                     <a:bodyPr/>
                     <a:lstStyle/>
                     <a:p>
+                      <a:r>
+                        <a:rPr lang="es-MX" dirty="0" smtClean="0"/>
+                        <a:t>1 :</a:t>
+                      </a:r>
+                    </a:p>
+                    <a:p>
+                      <a:r>
+                        <a:rPr lang="es-MX" dirty="0" smtClean="0"/>
+                        <a:t>Espacio,</a:t>
+                      </a:r>
+                      <a:r>
+                        <a:rPr lang="es-MX" baseline="0" dirty="0" smtClean="0"/>
+                        <a:t> Medida y Forma</a:t>
+                      </a:r>
                       <a:endParaRPr lang="es-MX" dirty="0"/>
                     </a:p>
                   </a:txBody>
@@ -37881,6 +37982,18 @@
                   <a:txBody>
                     <a:bodyPr/>
                     <a:lstStyle/>
+                    <a:p>
+                      <a:r>
+                        <a:rPr lang="es-MX" baseline="0" dirty="0" smtClean="0"/>
+                        <a:t>106 – </a:t>
+                      </a:r>
+                    </a:p>
+                    <a:p>
+                      <a:r>
+                        <a:rPr lang="es-MX" baseline="0" dirty="0" smtClean="0"/>
+                        <a:t>107 – </a:t>
+                      </a:r>
+                    </a:p>
                     <a:p>
                       <a:endParaRPr lang="es-MX" baseline="0" dirty="0" smtClean="0"/>
                     </a:p>
@@ -38152,14 +38265,14 @@
           <p:nvPr>
             <p:extLst>
               <p:ext uri="{D42A27DB-BD31-4B8C-83A1-F6EECF244321}">
-                <p14:modId xmlns:p14="http://schemas.microsoft.com/office/powerpoint/2010/main" val="4280281854"/>
+                <p14:modId xmlns:p14="http://schemas.microsoft.com/office/powerpoint/2010/main" val="2919133523"/>
               </p:ext>
             </p:extLst>
           </p:nvPr>
         </p:nvGraphicFramePr>
         <p:xfrm>
           <a:off x="100479" y="2573679"/>
-          <a:ext cx="6657042" cy="1399587"/>
+          <a:ext cx="6657042" cy="1714500"/>
         </p:xfrm>
         <a:graphic>
           <a:graphicData uri="http://schemas.openxmlformats.org/drawingml/2006/table">
@@ -38349,6 +38462,10 @@
                     <a:bodyPr/>
                     <a:lstStyle/>
                     <a:p>
+                      <a:r>
+                        <a:rPr lang="es-MX" dirty="0" smtClean="0"/>
+                        <a:t>PMA04</a:t>
+                      </a:r>
                       <a:endParaRPr lang="es-MX" dirty="0"/>
                     </a:p>
                   </a:txBody>
@@ -38359,6 +38476,16 @@
                     <a:bodyPr/>
                     <a:lstStyle/>
                     <a:p>
+                      <a:r>
+                        <a:rPr lang="es-MX" dirty="0" smtClean="0"/>
+                        <a:t>1:</a:t>
+                      </a:r>
+                    </a:p>
+                    <a:p>
+                      <a:r>
+                        <a:rPr lang="es-MX" dirty="0" smtClean="0"/>
+                        <a:t>Espacio, Medida y Forma</a:t>
+                      </a:r>
                       <a:endParaRPr lang="es-MX" dirty="0"/>
                     </a:p>
                   </a:txBody>
@@ -38369,7 +38496,28 @@
                     <a:bodyPr/>
                     <a:lstStyle/>
                     <a:p>
-                      <a:endParaRPr lang="es-MX" baseline="0" dirty="0" smtClean="0"/>
+                      <a:r>
+                        <a:rPr lang="es-MX" baseline="0" dirty="0" smtClean="0"/>
+                        <a:t>101</a:t>
+                      </a:r>
+                    </a:p>
+                    <a:p>
+                      <a:r>
+                        <a:rPr lang="es-MX" baseline="0" dirty="0" smtClean="0"/>
+                        <a:t>102</a:t>
+                      </a:r>
+                    </a:p>
+                    <a:p>
+                      <a:r>
+                        <a:rPr lang="es-MX" baseline="0" dirty="0" smtClean="0"/>
+                        <a:t>103</a:t>
+                      </a:r>
+                    </a:p>
+                    <a:p>
+                      <a:r>
+                        <a:rPr lang="es-MX" baseline="0" dirty="0" smtClean="0"/>
+                        <a:t>105</a:t>
+                      </a:r>
                     </a:p>
                   </a:txBody>
                   <a:tcPr/>
@@ -38576,14 +38724,14 @@
           <p:nvPr>
             <p:extLst>
               <p:ext uri="{D42A27DB-BD31-4B8C-83A1-F6EECF244321}">
-                <p14:modId xmlns:p14="http://schemas.microsoft.com/office/powerpoint/2010/main" val="3755146034"/>
+                <p14:modId xmlns:p14="http://schemas.microsoft.com/office/powerpoint/2010/main" val="2942313342"/>
               </p:ext>
             </p:extLst>
           </p:nvPr>
         </p:nvGraphicFramePr>
         <p:xfrm>
           <a:off x="138821" y="3331962"/>
-          <a:ext cx="6657042" cy="1399587"/>
+          <a:ext cx="6657042" cy="1920240"/>
         </p:xfrm>
         <a:graphic>
           <a:graphicData uri="http://schemas.openxmlformats.org/drawingml/2006/table">
@@ -38773,6 +38921,10 @@
                     <a:bodyPr/>
                     <a:lstStyle/>
                     <a:p>
+                      <a:r>
+                        <a:rPr lang="es-MX" dirty="0" smtClean="0"/>
+                        <a:t>PMA22</a:t>
+                      </a:r>
                       <a:endParaRPr lang="es-MX" dirty="0"/>
                     </a:p>
                   </a:txBody>
@@ -38783,6 +38935,24 @@
                     <a:bodyPr/>
                     <a:lstStyle/>
                     <a:p>
+                      <a:r>
+                        <a:rPr lang="es-MX" dirty="0" smtClean="0"/>
+                        <a:t>3:</a:t>
+                      </a:r>
+                    </a:p>
+                    <a:p>
+                      <a:r>
+                        <a:rPr lang="es-MX" dirty="0" smtClean="0"/>
+                        <a:t>Sentido Numérico</a:t>
+                      </a:r>
+                      <a:r>
+                        <a:rPr lang="es-MX" baseline="0" dirty="0" smtClean="0"/>
+                        <a:t> y Pensamiento </a:t>
+                      </a:r>
+                      <a:r>
+                        <a:rPr lang="es-MX" baseline="0" dirty="0" err="1" smtClean="0"/>
+                        <a:t>Algebráico</a:t>
+                      </a:r>
                       <a:endParaRPr lang="es-MX" dirty="0"/>
                     </a:p>
                   </a:txBody>
@@ -38792,6 +38962,30 @@
                   <a:txBody>
                     <a:bodyPr/>
                     <a:lstStyle/>
+                    <a:p>
+                      <a:r>
+                        <a:rPr lang="es-MX" baseline="0" dirty="0" smtClean="0"/>
+                        <a:t>303 – </a:t>
+                      </a:r>
+                    </a:p>
+                    <a:p>
+                      <a:r>
+                        <a:rPr lang="es-MX" baseline="0" dirty="0" smtClean="0"/>
+                        <a:t>308 – </a:t>
+                      </a:r>
+                    </a:p>
+                    <a:p>
+                      <a:r>
+                        <a:rPr lang="es-MX" baseline="0" dirty="0" smtClean="0"/>
+                        <a:t>309 – </a:t>
+                      </a:r>
+                    </a:p>
+                    <a:p>
+                      <a:r>
+                        <a:rPr lang="es-MX" baseline="0" dirty="0" smtClean="0"/>
+                        <a:t>312 – </a:t>
+                      </a:r>
+                    </a:p>
                     <a:p>
                       <a:endParaRPr lang="es-MX" baseline="0" dirty="0" smtClean="0"/>
                     </a:p>
@@ -38993,14 +39187,14 @@
           <p:nvPr>
             <p:extLst>
               <p:ext uri="{D42A27DB-BD31-4B8C-83A1-F6EECF244321}">
-                <p14:modId xmlns:p14="http://schemas.microsoft.com/office/powerpoint/2010/main" val="2747209049"/>
+                <p14:modId xmlns:p14="http://schemas.microsoft.com/office/powerpoint/2010/main" val="230280504"/>
               </p:ext>
             </p:extLst>
           </p:nvPr>
         </p:nvGraphicFramePr>
         <p:xfrm>
           <a:off x="100479" y="3789162"/>
-          <a:ext cx="6657042" cy="1399587"/>
+          <a:ext cx="6657042" cy="1714500"/>
         </p:xfrm>
         <a:graphic>
           <a:graphicData uri="http://schemas.openxmlformats.org/drawingml/2006/table">
@@ -39190,6 +39384,10 @@
                     <a:bodyPr/>
                     <a:lstStyle/>
                     <a:p>
+                      <a:r>
+                        <a:rPr lang="es-MX" dirty="0" smtClean="0"/>
+                        <a:t>PMA11</a:t>
+                      </a:r>
                       <a:endParaRPr lang="es-MX" dirty="0"/>
                     </a:p>
                   </a:txBody>
@@ -39200,6 +39398,16 @@
                     <a:bodyPr/>
                     <a:lstStyle/>
                     <a:p>
+                      <a:r>
+                        <a:rPr lang="es-MX" dirty="0" smtClean="0"/>
+                        <a:t>2:</a:t>
+                      </a:r>
+                    </a:p>
+                    <a:p>
+                      <a:r>
+                        <a:rPr lang="es-MX" dirty="0" smtClean="0"/>
+                        <a:t>Manejo de Información</a:t>
+                      </a:r>
                       <a:endParaRPr lang="es-MX" dirty="0"/>
                     </a:p>
                   </a:txBody>
@@ -39209,6 +39417,24 @@
                   <a:txBody>
                     <a:bodyPr/>
                     <a:lstStyle/>
+                    <a:p>
+                      <a:r>
+                        <a:rPr lang="es-MX" baseline="0" dirty="0" smtClean="0"/>
+                        <a:t>201 – </a:t>
+                      </a:r>
+                    </a:p>
+                    <a:p>
+                      <a:r>
+                        <a:rPr lang="es-MX" baseline="0" dirty="0" smtClean="0"/>
+                        <a:t>205 – </a:t>
+                      </a:r>
+                    </a:p>
+                    <a:p>
+                      <a:r>
+                        <a:rPr lang="es-MX" baseline="0" dirty="0" smtClean="0"/>
+                        <a:t>207 – </a:t>
+                      </a:r>
+                    </a:p>
                     <a:p>
                       <a:endParaRPr lang="es-MX" baseline="0" dirty="0" smtClean="0"/>
                     </a:p>
